--- a/ppt系列/0001服务器都有哪些构成？.pptx
+++ b/ppt系列/0001服务器都有哪些构成？.pptx
@@ -8,6 +8,7 @@
     <p:sldId id="256" r:id="rId2"/>
     <p:sldId id="257" r:id="rId3"/>
     <p:sldId id="258" r:id="rId4"/>
+    <p:sldId id="259" r:id="rId5"/>
   </p:sldIdLst>
   <p:sldSz cx="12192000" cy="6858000"/>
   <p:notesSz cx="6858000" cy="9144000"/>
@@ -306,7 +307,7 @@
             <a:fld id="{B61BEF0D-F0BB-DE4B-95CE-6DB70DBA9567}" type="datetimeFigureOut">
               <a:rPr lang="en-US" dirty="0"/>
               <a:pPr/>
-              <a:t>7/28/2015</a:t>
+              <a:t>8/4/2015</a:t>
             </a:fld>
             <a:endParaRPr lang="en-US" dirty="0"/>
           </a:p>
@@ -739,7 +740,7 @@
             <a:fld id="{B61BEF0D-F0BB-DE4B-95CE-6DB70DBA9567}" type="datetimeFigureOut">
               <a:rPr lang="en-US" dirty="0"/>
               <a:pPr/>
-              <a:t>7/28/2015</a:t>
+              <a:t>8/4/2015</a:t>
             </a:fld>
             <a:endParaRPr lang="en-US" dirty="0"/>
           </a:p>
@@ -986,7 +987,7 @@
             <a:fld id="{B61BEF0D-F0BB-DE4B-95CE-6DB70DBA9567}" type="datetimeFigureOut">
               <a:rPr lang="en-US" dirty="0"/>
               <a:pPr/>
-              <a:t>7/28/2015</a:t>
+              <a:t>8/4/2015</a:t>
             </a:fld>
             <a:endParaRPr lang="en-US" dirty="0"/>
           </a:p>
@@ -1291,7 +1292,7 @@
             <a:fld id="{B61BEF0D-F0BB-DE4B-95CE-6DB70DBA9567}" type="datetimeFigureOut">
               <a:rPr lang="en-US" dirty="0"/>
               <a:pPr/>
-              <a:t>7/28/2015</a:t>
+              <a:t>8/4/2015</a:t>
             </a:fld>
             <a:endParaRPr lang="en-US" dirty="0"/>
           </a:p>
@@ -1606,7 +1607,7 @@
             <a:fld id="{B61BEF0D-F0BB-DE4B-95CE-6DB70DBA9567}" type="datetimeFigureOut">
               <a:rPr lang="en-US" dirty="0"/>
               <a:pPr/>
-              <a:t>7/28/2015</a:t>
+              <a:t>8/4/2015</a:t>
             </a:fld>
             <a:endParaRPr lang="en-US" dirty="0"/>
           </a:p>
@@ -1905,7 +1906,7 @@
             <a:fld id="{B61BEF0D-F0BB-DE4B-95CE-6DB70DBA9567}" type="datetimeFigureOut">
               <a:rPr lang="en-US" dirty="0"/>
               <a:pPr/>
-              <a:t>7/28/2015</a:t>
+              <a:t>8/4/2015</a:t>
             </a:fld>
             <a:endParaRPr lang="en-US" dirty="0"/>
           </a:p>
@@ -2269,7 +2270,7 @@
             <a:fld id="{B61BEF0D-F0BB-DE4B-95CE-6DB70DBA9567}" type="datetimeFigureOut">
               <a:rPr lang="en-US" dirty="0"/>
               <a:pPr/>
-              <a:t>7/28/2015</a:t>
+              <a:t>8/4/2015</a:t>
             </a:fld>
             <a:endParaRPr lang="en-US" dirty="0"/>
           </a:p>
@@ -2440,7 +2441,7 @@
             <a:fld id="{B61BEF0D-F0BB-DE4B-95CE-6DB70DBA9567}" type="datetimeFigureOut">
               <a:rPr lang="en-US" dirty="0"/>
               <a:pPr/>
-              <a:t>7/28/2015</a:t>
+              <a:t>8/4/2015</a:t>
             </a:fld>
             <a:endParaRPr lang="en-US" dirty="0"/>
           </a:p>
@@ -2617,7 +2618,7 @@
             <a:fld id="{B61BEF0D-F0BB-DE4B-95CE-6DB70DBA9567}" type="datetimeFigureOut">
               <a:rPr lang="en-US" dirty="0"/>
               <a:pPr/>
-              <a:t>7/28/2015</a:t>
+              <a:t>8/4/2015</a:t>
             </a:fld>
             <a:endParaRPr lang="en-US" dirty="0"/>
           </a:p>
@@ -2784,7 +2785,7 @@
             <a:fld id="{B61BEF0D-F0BB-DE4B-95CE-6DB70DBA9567}" type="datetimeFigureOut">
               <a:rPr lang="en-US" dirty="0"/>
               <a:pPr/>
-              <a:t>7/28/2015</a:t>
+              <a:t>8/4/2015</a:t>
             </a:fld>
             <a:endParaRPr lang="en-US" dirty="0"/>
           </a:p>
@@ -3031,7 +3032,7 @@
             <a:fld id="{B61BEF0D-F0BB-DE4B-95CE-6DB70DBA9567}" type="datetimeFigureOut">
               <a:rPr lang="en-US" dirty="0"/>
               <a:pPr/>
-              <a:t>7/28/2015</a:t>
+              <a:t>8/4/2015</a:t>
             </a:fld>
             <a:endParaRPr lang="en-US" dirty="0"/>
           </a:p>
@@ -3264,7 +3265,7 @@
             <a:fld id="{B61BEF0D-F0BB-DE4B-95CE-6DB70DBA9567}" type="datetimeFigureOut">
               <a:rPr lang="en-US" dirty="0"/>
               <a:pPr/>
-              <a:t>7/28/2015</a:t>
+              <a:t>8/4/2015</a:t>
             </a:fld>
             <a:endParaRPr lang="en-US" dirty="0"/>
           </a:p>
@@ -3643,7 +3644,7 @@
             <a:fld id="{B61BEF0D-F0BB-DE4B-95CE-6DB70DBA9567}" type="datetimeFigureOut">
               <a:rPr lang="en-US" dirty="0"/>
               <a:pPr/>
-              <a:t>7/28/2015</a:t>
+              <a:t>8/4/2015</a:t>
             </a:fld>
             <a:endParaRPr lang="en-US" dirty="0"/>
           </a:p>
@@ -3758,7 +3759,7 @@
             <a:fld id="{B61BEF0D-F0BB-DE4B-95CE-6DB70DBA9567}" type="datetimeFigureOut">
               <a:rPr lang="en-US" dirty="0"/>
               <a:pPr/>
-              <a:t>7/28/2015</a:t>
+              <a:t>8/4/2015</a:t>
             </a:fld>
             <a:endParaRPr lang="en-US" dirty="0"/>
           </a:p>
@@ -3850,7 +3851,7 @@
             <a:fld id="{B61BEF0D-F0BB-DE4B-95CE-6DB70DBA9567}" type="datetimeFigureOut">
               <a:rPr lang="en-US" dirty="0"/>
               <a:pPr/>
-              <a:t>7/28/2015</a:t>
+              <a:t>8/4/2015</a:t>
             </a:fld>
             <a:endParaRPr lang="en-US" dirty="0"/>
           </a:p>
@@ -4102,7 +4103,7 @@
             <a:fld id="{B61BEF0D-F0BB-DE4B-95CE-6DB70DBA9567}" type="datetimeFigureOut">
               <a:rPr lang="en-US" dirty="0"/>
               <a:pPr/>
-              <a:t>7/28/2015</a:t>
+              <a:t>8/4/2015</a:t>
             </a:fld>
             <a:endParaRPr lang="en-US" dirty="0"/>
           </a:p>
@@ -4382,7 +4383,7 @@
             <a:fld id="{B61BEF0D-F0BB-DE4B-95CE-6DB70DBA9567}" type="datetimeFigureOut">
               <a:rPr lang="en-US" dirty="0"/>
               <a:pPr/>
-              <a:t>7/28/2015</a:t>
+              <a:t>8/4/2015</a:t>
             </a:fld>
             <a:endParaRPr lang="en-US" dirty="0"/>
           </a:p>
@@ -4785,7 +4786,7 @@
             <a:fld id="{B61BEF0D-F0BB-DE4B-95CE-6DB70DBA9567}" type="datetimeFigureOut">
               <a:rPr lang="en-US" dirty="0"/>
               <a:pPr/>
-              <a:t>7/28/2015</a:t>
+              <a:t>8/4/2015</a:t>
             </a:fld>
             <a:endParaRPr lang="en-US" dirty="0"/>
           </a:p>
@@ -5365,11 +5366,7 @@
             </a:r>
             <a:r>
               <a:rPr lang="zh-CN" altLang="en-US" sz="3200" dirty="0" smtClean="0"/>
-              <a:t>服务器</a:t>
-            </a:r>
-            <a:r>
-              <a:rPr lang="zh-CN" altLang="en-US" sz="3200" dirty="0" smtClean="0"/>
-              <a:t>）</a:t>
+              <a:t>服务器）</a:t>
             </a:r>
             <a:endParaRPr lang="zh-CN" altLang="en-US" sz="3200" dirty="0"/>
           </a:p>
@@ -6371,15 +6368,7 @@
             </a:r>
             <a:r>
               <a:rPr lang="zh-CN" altLang="en-US" dirty="0" smtClean="0"/>
-              <a:t>都是</a:t>
-            </a:r>
-            <a:r>
-              <a:rPr lang="zh-CN" altLang="en-US" dirty="0" smtClean="0"/>
-              <a:t>开</a:t>
-            </a:r>
-            <a:r>
-              <a:rPr lang="zh-CN" altLang="en-US" dirty="0" smtClean="0"/>
-              <a:t>源软件：</a:t>
+              <a:t>都是开源软件：</a:t>
             </a:r>
             <a:endParaRPr lang="en-US" altLang="zh-CN" dirty="0" smtClean="0"/>
           </a:p>
@@ -6779,10 +6768,6 @@
               </a:rPr>
               <a:t>结构的一种变化或者改进的结构。</a:t>
             </a:r>
-            <a:endParaRPr lang="zh-CN" altLang="en-US" sz="1200" b="1" dirty="0">
-              <a:latin typeface="微软雅黑" panose="020B0503020204020204" pitchFamily="34" charset="-122"/>
-              <a:ea typeface="微软雅黑" panose="020B0503020204020204" pitchFamily="34" charset="-122"/>
-            </a:endParaRPr>
           </a:p>
           <a:p>
             <a:r>
@@ -6865,11 +6850,6 @@
               </a:rPr>
               <a:t>架构，就是你的电脑，只需要用浏览器，就可以连接服务器了。</a:t>
             </a:r>
-            <a:endParaRPr lang="zh-CN" altLang="en-US" b="1" dirty="0">
-              <a:solidFill>
-                <a:srgbClr val="92D050"/>
-              </a:solidFill>
-            </a:endParaRPr>
           </a:p>
         </p:txBody>
       </p:sp>
@@ -6990,6 +6970,158 @@
       </p:par>
     </p:tnLst>
   </p:timing>
+</p:sld>
+</file>
+
+<file path=ppt/slides/slide4.xml><?xml version="1.0" encoding="utf-8"?>
+<p:sld xmlns:a="http://schemas.openxmlformats.org/drawingml/2006/main" xmlns:r="http://schemas.openxmlformats.org/officeDocument/2006/relationships" xmlns:p="http://schemas.openxmlformats.org/presentationml/2006/main">
+  <p:cSld>
+    <p:spTree>
+      <p:nvGrpSpPr>
+        <p:cNvPr id="1" name=""/>
+        <p:cNvGrpSpPr/>
+        <p:nvPr/>
+      </p:nvGrpSpPr>
+      <p:grpSpPr>
+        <a:xfrm>
+          <a:off x="0" y="0"/>
+          <a:ext cx="0" cy="0"/>
+          <a:chOff x="0" y="0"/>
+          <a:chExt cx="0" cy="0"/>
+        </a:xfrm>
+      </p:grpSpPr>
+      <p:sp>
+        <p:nvSpPr>
+          <p:cNvPr id="4" name="矩形 3"/>
+          <p:cNvSpPr/>
+          <p:nvPr/>
+        </p:nvSpPr>
+        <p:spPr>
+          <a:xfrm>
+            <a:off x="2430049" y="1077238"/>
+            <a:ext cx="9169052" cy="5060515"/>
+          </a:xfrm>
+          <a:prstGeom prst="rect">
+            <a:avLst/>
+          </a:prstGeom>
+        </p:spPr>
+        <p:style>
+          <a:lnRef idx="2">
+            <a:schemeClr val="accent1">
+              <a:shade val="50000"/>
+            </a:schemeClr>
+          </a:lnRef>
+          <a:fillRef idx="1">
+            <a:schemeClr val="accent1"/>
+          </a:fillRef>
+          <a:effectRef idx="0">
+            <a:schemeClr val="accent1"/>
+          </a:effectRef>
+          <a:fontRef idx="minor">
+            <a:schemeClr val="lt1"/>
+          </a:fontRef>
+        </p:style>
+        <p:txBody>
+          <a:bodyPr rtlCol="0" anchor="ctr"/>
+          <a:lstStyle/>
+          <a:p>
+            <a:pPr algn="ctr"/>
+            <a:endParaRPr lang="zh-CN" altLang="en-US"/>
+          </a:p>
+        </p:txBody>
+      </p:sp>
+      <p:sp>
+        <p:nvSpPr>
+          <p:cNvPr id="5" name="文本框 4"/>
+          <p:cNvSpPr txBox="1"/>
+          <p:nvPr/>
+        </p:nvSpPr>
+        <p:spPr>
+          <a:xfrm>
+            <a:off x="3883068" y="1578279"/>
+            <a:ext cx="2642992" cy="369332"/>
+          </a:xfrm>
+          <a:prstGeom prst="rect">
+            <a:avLst/>
+          </a:prstGeom>
+          <a:noFill/>
+        </p:spPr>
+        <p:txBody>
+          <a:bodyPr wrap="square" rtlCol="0">
+            <a:spAutoFit/>
+          </a:bodyPr>
+          <a:lstStyle/>
+          <a:p>
+            <a:r>
+              <a:rPr lang="zh-CN" altLang="en-US" dirty="0" smtClean="0"/>
+              <a:t>电脑</a:t>
+            </a:r>
+            <a:endParaRPr lang="zh-CN" altLang="en-US" dirty="0"/>
+          </a:p>
+        </p:txBody>
+      </p:sp>
+      <p:sp>
+        <p:nvSpPr>
+          <p:cNvPr id="6" name="矩形 5"/>
+          <p:cNvSpPr/>
+          <p:nvPr/>
+        </p:nvSpPr>
+        <p:spPr>
+          <a:xfrm>
+            <a:off x="3657600" y="2342367"/>
+            <a:ext cx="6613742" cy="2292263"/>
+          </a:xfrm>
+          <a:prstGeom prst="rect">
+            <a:avLst/>
+          </a:prstGeom>
+        </p:spPr>
+        <p:style>
+          <a:lnRef idx="2">
+            <a:schemeClr val="accent1">
+              <a:shade val="50000"/>
+            </a:schemeClr>
+          </a:lnRef>
+          <a:fillRef idx="1">
+            <a:schemeClr val="accent1"/>
+          </a:fillRef>
+          <a:effectRef idx="0">
+            <a:schemeClr val="accent1"/>
+          </a:effectRef>
+          <a:fontRef idx="minor">
+            <a:schemeClr val="lt1"/>
+          </a:fontRef>
+        </p:style>
+        <p:txBody>
+          <a:bodyPr rtlCol="0" anchor="ctr"/>
+          <a:lstStyle/>
+          <a:p>
+            <a:pPr algn="ctr"/>
+            <a:r>
+              <a:rPr lang="zh-CN" altLang="en-US" smtClean="0">
+                <a:solidFill>
+                  <a:srgbClr val="FF0000"/>
+                </a:solidFill>
+              </a:rPr>
+              <a:t>数据库</a:t>
+            </a:r>
+            <a:endParaRPr lang="zh-CN" altLang="en-US">
+              <a:solidFill>
+                <a:srgbClr val="FF0000"/>
+              </a:solidFill>
+            </a:endParaRPr>
+          </a:p>
+        </p:txBody>
+      </p:sp>
+    </p:spTree>
+    <p:extLst>
+      <p:ext uri="{BB962C8B-B14F-4D97-AF65-F5344CB8AC3E}">
+        <p14:creationId xmlns:p14="http://schemas.microsoft.com/office/powerpoint/2010/main" val="2809803447"/>
+      </p:ext>
+    </p:extLst>
+  </p:cSld>
+  <p:clrMapOvr>
+    <a:masterClrMapping/>
+  </p:clrMapOvr>
 </p:sld>
 </file>
 
